--- a/11.Player AI using Minimax, Tic-Tac-Toe.pptx
+++ b/11.Player AI using Minimax, Tic-Tac-Toe.pptx
@@ -4931,7 +4931,7 @@
           <a:p>
             <a:r>
               <a:rPr lang="en-US" dirty="0"/>
-              <a:t>C++, OOP and the Command Pattern</a:t>
+              <a:t>Player AI Using Minimax, Tic-Tac-Toe</a:t>
             </a:r>
           </a:p>
         </p:txBody>
